--- a/src/backend/presentation.pptx
+++ b/src/backend/presentation.pptx
@@ -5,18 +5,18 @@
     <p:sldMasterId id="2147483648" r:id="rId1"/>
   </p:sldMasterIdLst>
   <p:sldIdLst>
-    <p:sldId id="256" r:id="rId2"/>
-    <p:sldId id="257" r:id="rId3"/>
-    <p:sldId id="258" r:id="rId4"/>
-    <p:sldId id="259" r:id="rId5"/>
-    <p:sldId id="260" r:id="rId6"/>
-    <p:sldId id="261" r:id="rId7"/>
-    <p:sldId id="262" r:id="rId8"/>
-    <p:sldId id="263" r:id="rId9"/>
-    <p:sldId id="264" r:id="rId10"/>
-    <p:sldId id="265" r:id="rId11"/>
-    <p:sldId id="266" r:id="rId12"/>
-    <p:sldId id="267" r:id="rId13"/>
+    <p:sldId id="256" r:id="rId7"/>
+    <p:sldId id="257" r:id="rId8"/>
+    <p:sldId id="258" r:id="rId9"/>
+    <p:sldId id="259" r:id="rId10"/>
+    <p:sldId id="260" r:id="rId11"/>
+    <p:sldId id="261" r:id="rId12"/>
+    <p:sldId id="262" r:id="rId13"/>
+    <p:sldId id="263" r:id="rId14"/>
+    <p:sldId id="264" r:id="rId15"/>
+    <p:sldId id="265" r:id="rId16"/>
+    <p:sldId id="266" r:id="rId17"/>
+    <p:sldId id="267" r:id="rId18"/>
   </p:sldIdLst>
   <p:sldSz cx="9144000" cy="6858000" type="screen4x3"/>
   <p:notesSz cx="6858000" cy="9144000"/>
@@ -115,22 +115,6 @@
       </a:defRPr>
     </a:lvl9pPr>
   </p:defaultTextStyle>
-  <p:extLst>
-    <p:ext uri="{EFAFB233-063F-42B5-8137-9DF3F51BA10A}">
-      <p15:sldGuideLst xmlns:p15="http://schemas.microsoft.com/office/powerpoint/2012/main">
-        <p15:guide id="1" orient="horz" pos="2160">
-          <p15:clr>
-            <a:srgbClr val="A4A3A4"/>
-          </p15:clr>
-        </p15:guide>
-        <p15:guide id="2" pos="2880">
-          <p15:clr>
-            <a:srgbClr val="A4A3A4"/>
-          </p15:clr>
-        </p15:guide>
-      </p15:sldGuideLst>
-    </p:ext>
-  </p:extLst>
 </p:presentation>
 </file>
 
@@ -172,9 +156,10 @@
           <a:lstStyle/>
           <a:p>
             <a:r>
-              <a:rPr lang="en-US"/>
+              <a:rPr lang="en-US" smtClean="0"/>
               <a:t>Click to edit Master title style</a:t>
             </a:r>
+            <a:endParaRPr lang="en-US"/>
           </a:p>
         </p:txBody>
       </p:sp>
@@ -290,9 +275,10 @@
           </a:lstStyle>
           <a:p>
             <a:r>
-              <a:rPr lang="en-US"/>
+              <a:rPr lang="en-US" smtClean="0"/>
               <a:t>Click to edit Master subtitle style</a:t>
             </a:r>
+            <a:endParaRPr lang="en-US"/>
           </a:p>
         </p:txBody>
       </p:sp>
@@ -313,7 +299,7 @@
           <a:p>
             <a:fld id="{5BCAD085-E8A6-8845-BD4E-CB4CCA059FC4}" type="datetimeFigureOut">
               <a:rPr lang="en-US" smtClean="0"/>
-              <a:t>1/8/2024</a:t>
+              <a:t>1/27/13</a:t>
             </a:fld>
             <a:endParaRPr lang="en-US"/>
           </a:p>
@@ -407,9 +393,10 @@
           <a:lstStyle/>
           <a:p>
             <a:r>
-              <a:rPr lang="en-US"/>
+              <a:rPr lang="en-US" smtClean="0"/>
               <a:t>Click to edit Master title style</a:t>
             </a:r>
+            <a:endParaRPr lang="en-US"/>
           </a:p>
         </p:txBody>
       </p:sp>
@@ -430,37 +417,38 @@
           <a:p>
             <a:pPr lvl="0"/>
             <a:r>
-              <a:rPr lang="en-US"/>
+              <a:rPr lang="en-US" smtClean="0"/>
               <a:t>Click to edit Master text styles</a:t>
             </a:r>
           </a:p>
           <a:p>
             <a:pPr lvl="1"/>
             <a:r>
-              <a:rPr lang="en-US"/>
+              <a:rPr lang="en-US" smtClean="0"/>
               <a:t>Second level</a:t>
             </a:r>
           </a:p>
           <a:p>
             <a:pPr lvl="2"/>
             <a:r>
-              <a:rPr lang="en-US"/>
+              <a:rPr lang="en-US" smtClean="0"/>
               <a:t>Third level</a:t>
             </a:r>
           </a:p>
           <a:p>
             <a:pPr lvl="3"/>
             <a:r>
-              <a:rPr lang="en-US"/>
+              <a:rPr lang="en-US" smtClean="0"/>
               <a:t>Fourth level</a:t>
             </a:r>
           </a:p>
           <a:p>
             <a:pPr lvl="4"/>
             <a:r>
-              <a:rPr lang="en-US"/>
+              <a:rPr lang="en-US" smtClean="0"/>
               <a:t>Fifth level</a:t>
             </a:r>
+            <a:endParaRPr lang="en-US"/>
           </a:p>
         </p:txBody>
       </p:sp>
@@ -481,7 +469,7 @@
           <a:p>
             <a:fld id="{5BCAD085-E8A6-8845-BD4E-CB4CCA059FC4}" type="datetimeFigureOut">
               <a:rPr lang="en-US" smtClean="0"/>
-              <a:t>1/8/2024</a:t>
+              <a:t>1/27/13</a:t>
             </a:fld>
             <a:endParaRPr lang="en-US"/>
           </a:p>
@@ -580,9 +568,10 @@
           <a:lstStyle/>
           <a:p>
             <a:r>
-              <a:rPr lang="en-US"/>
+              <a:rPr lang="en-US" smtClean="0"/>
               <a:t>Click to edit Master title style</a:t>
             </a:r>
+            <a:endParaRPr lang="en-US"/>
           </a:p>
         </p:txBody>
       </p:sp>
@@ -608,37 +597,38 @@
           <a:p>
             <a:pPr lvl="0"/>
             <a:r>
-              <a:rPr lang="en-US"/>
+              <a:rPr lang="en-US" smtClean="0"/>
               <a:t>Click to edit Master text styles</a:t>
             </a:r>
           </a:p>
           <a:p>
             <a:pPr lvl="1"/>
             <a:r>
-              <a:rPr lang="en-US"/>
+              <a:rPr lang="en-US" smtClean="0"/>
               <a:t>Second level</a:t>
             </a:r>
           </a:p>
           <a:p>
             <a:pPr lvl="2"/>
             <a:r>
-              <a:rPr lang="en-US"/>
+              <a:rPr lang="en-US" smtClean="0"/>
               <a:t>Third level</a:t>
             </a:r>
           </a:p>
           <a:p>
             <a:pPr lvl="3"/>
             <a:r>
-              <a:rPr lang="en-US"/>
+              <a:rPr lang="en-US" smtClean="0"/>
               <a:t>Fourth level</a:t>
             </a:r>
           </a:p>
           <a:p>
             <a:pPr lvl="4"/>
             <a:r>
-              <a:rPr lang="en-US"/>
+              <a:rPr lang="en-US" smtClean="0"/>
               <a:t>Fifth level</a:t>
             </a:r>
+            <a:endParaRPr lang="en-US"/>
           </a:p>
         </p:txBody>
       </p:sp>
@@ -659,7 +649,7 @@
           <a:p>
             <a:fld id="{5BCAD085-E8A6-8845-BD4E-CB4CCA059FC4}" type="datetimeFigureOut">
               <a:rPr lang="en-US" smtClean="0"/>
-              <a:t>1/8/2024</a:t>
+              <a:t>1/27/13</a:t>
             </a:fld>
             <a:endParaRPr lang="en-US"/>
           </a:p>
@@ -753,9 +743,10 @@
           <a:lstStyle/>
           <a:p>
             <a:r>
-              <a:rPr lang="en-US"/>
+              <a:rPr lang="en-US" smtClean="0"/>
               <a:t>Click to edit Master title style</a:t>
             </a:r>
+            <a:endParaRPr lang="en-US"/>
           </a:p>
         </p:txBody>
       </p:sp>
@@ -776,37 +767,38 @@
           <a:p>
             <a:pPr lvl="0"/>
             <a:r>
-              <a:rPr lang="en-US"/>
+              <a:rPr lang="en-US" smtClean="0"/>
               <a:t>Click to edit Master text styles</a:t>
             </a:r>
           </a:p>
           <a:p>
             <a:pPr lvl="1"/>
             <a:r>
-              <a:rPr lang="en-US"/>
+              <a:rPr lang="en-US" smtClean="0"/>
               <a:t>Second level</a:t>
             </a:r>
           </a:p>
           <a:p>
             <a:pPr lvl="2"/>
             <a:r>
-              <a:rPr lang="en-US"/>
+              <a:rPr lang="en-US" smtClean="0"/>
               <a:t>Third level</a:t>
             </a:r>
           </a:p>
           <a:p>
             <a:pPr lvl="3"/>
             <a:r>
-              <a:rPr lang="en-US"/>
+              <a:rPr lang="en-US" smtClean="0"/>
               <a:t>Fourth level</a:t>
             </a:r>
           </a:p>
           <a:p>
             <a:pPr lvl="4"/>
             <a:r>
-              <a:rPr lang="en-US"/>
+              <a:rPr lang="en-US" smtClean="0"/>
               <a:t>Fifth level</a:t>
             </a:r>
+            <a:endParaRPr lang="en-US"/>
           </a:p>
         </p:txBody>
       </p:sp>
@@ -827,7 +819,7 @@
           <a:p>
             <a:fld id="{5BCAD085-E8A6-8845-BD4E-CB4CCA059FC4}" type="datetimeFigureOut">
               <a:rPr lang="en-US" smtClean="0"/>
-              <a:t>1/8/2024</a:t>
+              <a:t>1/27/13</a:t>
             </a:fld>
             <a:endParaRPr lang="en-US"/>
           </a:p>
@@ -930,9 +922,10 @@
           </a:lstStyle>
           <a:p>
             <a:r>
-              <a:rPr lang="en-US"/>
+              <a:rPr lang="en-US" smtClean="0"/>
               <a:t>Click to edit Master title style</a:t>
             </a:r>
+            <a:endParaRPr lang="en-US"/>
           </a:p>
         </p:txBody>
       </p:sp>
@@ -1049,7 +1042,7 @@
           <a:p>
             <a:pPr lvl="0"/>
             <a:r>
-              <a:rPr lang="en-US"/>
+              <a:rPr lang="en-US" smtClean="0"/>
               <a:t>Click to edit Master text styles</a:t>
             </a:r>
           </a:p>
@@ -1072,7 +1065,7 @@
           <a:p>
             <a:fld id="{5BCAD085-E8A6-8845-BD4E-CB4CCA059FC4}" type="datetimeFigureOut">
               <a:rPr lang="en-US" smtClean="0"/>
-              <a:t>1/8/2024</a:t>
+              <a:t>1/27/13</a:t>
             </a:fld>
             <a:endParaRPr lang="en-US"/>
           </a:p>
@@ -1166,9 +1159,10 @@
           <a:lstStyle/>
           <a:p>
             <a:r>
-              <a:rPr lang="en-US"/>
+              <a:rPr lang="en-US" smtClean="0"/>
               <a:t>Click to edit Master title style</a:t>
             </a:r>
+            <a:endParaRPr lang="en-US"/>
           </a:p>
         </p:txBody>
       </p:sp>
@@ -1222,37 +1216,38 @@
           <a:p>
             <a:pPr lvl="0"/>
             <a:r>
-              <a:rPr lang="en-US"/>
+              <a:rPr lang="en-US" smtClean="0"/>
               <a:t>Click to edit Master text styles</a:t>
             </a:r>
           </a:p>
           <a:p>
             <a:pPr lvl="1"/>
             <a:r>
-              <a:rPr lang="en-US"/>
+              <a:rPr lang="en-US" smtClean="0"/>
               <a:t>Second level</a:t>
             </a:r>
           </a:p>
           <a:p>
             <a:pPr lvl="2"/>
             <a:r>
-              <a:rPr lang="en-US"/>
+              <a:rPr lang="en-US" smtClean="0"/>
               <a:t>Third level</a:t>
             </a:r>
           </a:p>
           <a:p>
             <a:pPr lvl="3"/>
             <a:r>
-              <a:rPr lang="en-US"/>
+              <a:rPr lang="en-US" smtClean="0"/>
               <a:t>Fourth level</a:t>
             </a:r>
           </a:p>
           <a:p>
             <a:pPr lvl="4"/>
             <a:r>
-              <a:rPr lang="en-US"/>
+              <a:rPr lang="en-US" smtClean="0"/>
               <a:t>Fifth level</a:t>
             </a:r>
+            <a:endParaRPr lang="en-US"/>
           </a:p>
         </p:txBody>
       </p:sp>
@@ -1306,37 +1301,38 @@
           <a:p>
             <a:pPr lvl="0"/>
             <a:r>
-              <a:rPr lang="en-US"/>
+              <a:rPr lang="en-US" smtClean="0"/>
               <a:t>Click to edit Master text styles</a:t>
             </a:r>
           </a:p>
           <a:p>
             <a:pPr lvl="1"/>
             <a:r>
-              <a:rPr lang="en-US"/>
+              <a:rPr lang="en-US" smtClean="0"/>
               <a:t>Second level</a:t>
             </a:r>
           </a:p>
           <a:p>
             <a:pPr lvl="2"/>
             <a:r>
-              <a:rPr lang="en-US"/>
+              <a:rPr lang="en-US" smtClean="0"/>
               <a:t>Third level</a:t>
             </a:r>
           </a:p>
           <a:p>
             <a:pPr lvl="3"/>
             <a:r>
-              <a:rPr lang="en-US"/>
+              <a:rPr lang="en-US" smtClean="0"/>
               <a:t>Fourth level</a:t>
             </a:r>
           </a:p>
           <a:p>
             <a:pPr lvl="4"/>
             <a:r>
-              <a:rPr lang="en-US"/>
+              <a:rPr lang="en-US" smtClean="0"/>
               <a:t>Fifth level</a:t>
             </a:r>
+            <a:endParaRPr lang="en-US"/>
           </a:p>
         </p:txBody>
       </p:sp>
@@ -1357,7 +1353,7 @@
           <a:p>
             <a:fld id="{5BCAD085-E8A6-8845-BD4E-CB4CCA059FC4}" type="datetimeFigureOut">
               <a:rPr lang="en-US" smtClean="0"/>
-              <a:t>1/8/2024</a:t>
+              <a:t>1/27/13</a:t>
             </a:fld>
             <a:endParaRPr lang="en-US"/>
           </a:p>
@@ -1455,9 +1451,10 @@
           </a:lstStyle>
           <a:p>
             <a:r>
-              <a:rPr lang="en-US"/>
+              <a:rPr lang="en-US" smtClean="0"/>
               <a:t>Click to edit Master title style</a:t>
             </a:r>
+            <a:endParaRPr lang="en-US"/>
           </a:p>
         </p:txBody>
       </p:sp>
@@ -1520,7 +1517,7 @@
           <a:p>
             <a:pPr lvl="0"/>
             <a:r>
-              <a:rPr lang="en-US"/>
+              <a:rPr lang="en-US" smtClean="0"/>
               <a:t>Click to edit Master text styles</a:t>
             </a:r>
           </a:p>
@@ -1576,37 +1573,38 @@
           <a:p>
             <a:pPr lvl="0"/>
             <a:r>
-              <a:rPr lang="en-US"/>
+              <a:rPr lang="en-US" smtClean="0"/>
               <a:t>Click to edit Master text styles</a:t>
             </a:r>
           </a:p>
           <a:p>
             <a:pPr lvl="1"/>
             <a:r>
-              <a:rPr lang="en-US"/>
+              <a:rPr lang="en-US" smtClean="0"/>
               <a:t>Second level</a:t>
             </a:r>
           </a:p>
           <a:p>
             <a:pPr lvl="2"/>
             <a:r>
-              <a:rPr lang="en-US"/>
+              <a:rPr lang="en-US" smtClean="0"/>
               <a:t>Third level</a:t>
             </a:r>
           </a:p>
           <a:p>
             <a:pPr lvl="3"/>
             <a:r>
-              <a:rPr lang="en-US"/>
+              <a:rPr lang="en-US" smtClean="0"/>
               <a:t>Fourth level</a:t>
             </a:r>
           </a:p>
           <a:p>
             <a:pPr lvl="4"/>
             <a:r>
-              <a:rPr lang="en-US"/>
+              <a:rPr lang="en-US" smtClean="0"/>
               <a:t>Fifth level</a:t>
             </a:r>
+            <a:endParaRPr lang="en-US"/>
           </a:p>
         </p:txBody>
       </p:sp>
@@ -1669,7 +1667,7 @@
           <a:p>
             <a:pPr lvl="0"/>
             <a:r>
-              <a:rPr lang="en-US"/>
+              <a:rPr lang="en-US" smtClean="0"/>
               <a:t>Click to edit Master text styles</a:t>
             </a:r>
           </a:p>
@@ -1725,37 +1723,38 @@
           <a:p>
             <a:pPr lvl="0"/>
             <a:r>
-              <a:rPr lang="en-US"/>
+              <a:rPr lang="en-US" smtClean="0"/>
               <a:t>Click to edit Master text styles</a:t>
             </a:r>
           </a:p>
           <a:p>
             <a:pPr lvl="1"/>
             <a:r>
-              <a:rPr lang="en-US"/>
+              <a:rPr lang="en-US" smtClean="0"/>
               <a:t>Second level</a:t>
             </a:r>
           </a:p>
           <a:p>
             <a:pPr lvl="2"/>
             <a:r>
-              <a:rPr lang="en-US"/>
+              <a:rPr lang="en-US" smtClean="0"/>
               <a:t>Third level</a:t>
             </a:r>
           </a:p>
           <a:p>
             <a:pPr lvl="3"/>
             <a:r>
-              <a:rPr lang="en-US"/>
+              <a:rPr lang="en-US" smtClean="0"/>
               <a:t>Fourth level</a:t>
             </a:r>
           </a:p>
           <a:p>
             <a:pPr lvl="4"/>
             <a:r>
-              <a:rPr lang="en-US"/>
+              <a:rPr lang="en-US" smtClean="0"/>
               <a:t>Fifth level</a:t>
             </a:r>
+            <a:endParaRPr lang="en-US"/>
           </a:p>
         </p:txBody>
       </p:sp>
@@ -1776,7 +1775,7 @@
           <a:p>
             <a:fld id="{5BCAD085-E8A6-8845-BD4E-CB4CCA059FC4}" type="datetimeFigureOut">
               <a:rPr lang="en-US" smtClean="0"/>
-              <a:t>1/8/2024</a:t>
+              <a:t>1/27/13</a:t>
             </a:fld>
             <a:endParaRPr lang="en-US"/>
           </a:p>
@@ -1870,9 +1869,10 @@
           <a:lstStyle/>
           <a:p>
             <a:r>
-              <a:rPr lang="en-US"/>
+              <a:rPr lang="en-US" smtClean="0"/>
               <a:t>Click to edit Master title style</a:t>
             </a:r>
+            <a:endParaRPr lang="en-US"/>
           </a:p>
         </p:txBody>
       </p:sp>
@@ -1893,7 +1893,7 @@
           <a:p>
             <a:fld id="{5BCAD085-E8A6-8845-BD4E-CB4CCA059FC4}" type="datetimeFigureOut">
               <a:rPr lang="en-US" smtClean="0"/>
-              <a:t>1/8/2024</a:t>
+              <a:t>1/27/13</a:t>
             </a:fld>
             <a:endParaRPr lang="en-US"/>
           </a:p>
@@ -1988,7 +1988,7 @@
           <a:p>
             <a:fld id="{5BCAD085-E8A6-8845-BD4E-CB4CCA059FC4}" type="datetimeFigureOut">
               <a:rPr lang="en-US" smtClean="0"/>
-              <a:t>1/8/2024</a:t>
+              <a:t>1/27/13</a:t>
             </a:fld>
             <a:endParaRPr lang="en-US"/>
           </a:p>
@@ -2091,9 +2091,10 @@
           </a:lstStyle>
           <a:p>
             <a:r>
-              <a:rPr lang="en-US"/>
+              <a:rPr lang="en-US" smtClean="0"/>
               <a:t>Click to edit Master title style</a:t>
             </a:r>
+            <a:endParaRPr lang="en-US"/>
           </a:p>
         </p:txBody>
       </p:sp>
@@ -2147,37 +2148,38 @@
           <a:p>
             <a:pPr lvl="0"/>
             <a:r>
-              <a:rPr lang="en-US"/>
+              <a:rPr lang="en-US" smtClean="0"/>
               <a:t>Click to edit Master text styles</a:t>
             </a:r>
           </a:p>
           <a:p>
             <a:pPr lvl="1"/>
             <a:r>
-              <a:rPr lang="en-US"/>
+              <a:rPr lang="en-US" smtClean="0"/>
               <a:t>Second level</a:t>
             </a:r>
           </a:p>
           <a:p>
             <a:pPr lvl="2"/>
             <a:r>
-              <a:rPr lang="en-US"/>
+              <a:rPr lang="en-US" smtClean="0"/>
               <a:t>Third level</a:t>
             </a:r>
           </a:p>
           <a:p>
             <a:pPr lvl="3"/>
             <a:r>
-              <a:rPr lang="en-US"/>
+              <a:rPr lang="en-US" smtClean="0"/>
               <a:t>Fourth level</a:t>
             </a:r>
           </a:p>
           <a:p>
             <a:pPr lvl="4"/>
             <a:r>
-              <a:rPr lang="en-US"/>
+              <a:rPr lang="en-US" smtClean="0"/>
               <a:t>Fifth level</a:t>
             </a:r>
+            <a:endParaRPr lang="en-US"/>
           </a:p>
         </p:txBody>
       </p:sp>
@@ -2240,7 +2242,7 @@
           <a:p>
             <a:pPr lvl="0"/>
             <a:r>
-              <a:rPr lang="en-US"/>
+              <a:rPr lang="en-US" smtClean="0"/>
               <a:t>Click to edit Master text styles</a:t>
             </a:r>
           </a:p>
@@ -2263,7 +2265,7 @@
           <a:p>
             <a:fld id="{5BCAD085-E8A6-8845-BD4E-CB4CCA059FC4}" type="datetimeFigureOut">
               <a:rPr lang="en-US" smtClean="0"/>
-              <a:t>1/8/2024</a:t>
+              <a:t>1/27/13</a:t>
             </a:fld>
             <a:endParaRPr lang="en-US"/>
           </a:p>
@@ -2366,9 +2368,10 @@
           </a:lstStyle>
           <a:p>
             <a:r>
-              <a:rPr lang="en-US"/>
+              <a:rPr lang="en-US" smtClean="0"/>
               <a:t>Click to edit Master title style</a:t>
             </a:r>
+            <a:endParaRPr lang="en-US"/>
           </a:p>
         </p:txBody>
       </p:sp>
@@ -2492,7 +2495,7 @@
           <a:p>
             <a:pPr lvl="0"/>
             <a:r>
-              <a:rPr lang="en-US"/>
+              <a:rPr lang="en-US" smtClean="0"/>
               <a:t>Click to edit Master text styles</a:t>
             </a:r>
           </a:p>
@@ -2515,7 +2518,7 @@
           <a:p>
             <a:fld id="{5BCAD085-E8A6-8845-BD4E-CB4CCA059FC4}" type="datetimeFigureOut">
               <a:rPr lang="en-US" smtClean="0"/>
-              <a:t>1/8/2024</a:t>
+              <a:t>1/27/13</a:t>
             </a:fld>
             <a:endParaRPr lang="en-US"/>
           </a:p>
@@ -2624,9 +2627,10 @@
           <a:lstStyle/>
           <a:p>
             <a:r>
-              <a:rPr lang="en-US"/>
+              <a:rPr lang="en-US" smtClean="0"/>
               <a:t>Click to edit Master title style</a:t>
             </a:r>
+            <a:endParaRPr lang="en-US"/>
           </a:p>
         </p:txBody>
       </p:sp>
@@ -2657,37 +2661,38 @@
           <a:p>
             <a:pPr lvl="0"/>
             <a:r>
-              <a:rPr lang="en-US"/>
+              <a:rPr lang="en-US" smtClean="0"/>
               <a:t>Click to edit Master text styles</a:t>
             </a:r>
           </a:p>
           <a:p>
             <a:pPr lvl="1"/>
             <a:r>
-              <a:rPr lang="en-US"/>
+              <a:rPr lang="en-US" smtClean="0"/>
               <a:t>Second level</a:t>
             </a:r>
           </a:p>
           <a:p>
             <a:pPr lvl="2"/>
             <a:r>
-              <a:rPr lang="en-US"/>
+              <a:rPr lang="en-US" smtClean="0"/>
               <a:t>Third level</a:t>
             </a:r>
           </a:p>
           <a:p>
             <a:pPr lvl="3"/>
             <a:r>
-              <a:rPr lang="en-US"/>
+              <a:rPr lang="en-US" smtClean="0"/>
               <a:t>Fourth level</a:t>
             </a:r>
           </a:p>
           <a:p>
             <a:pPr lvl="4"/>
             <a:r>
-              <a:rPr lang="en-US"/>
+              <a:rPr lang="en-US" smtClean="0"/>
               <a:t>Fifth level</a:t>
             </a:r>
+            <a:endParaRPr lang="en-US"/>
           </a:p>
         </p:txBody>
       </p:sp>
@@ -2726,7 +2731,7 @@
           <a:p>
             <a:fld id="{5BCAD085-E8A6-8845-BD4E-CB4CCA059FC4}" type="datetimeFigureOut">
               <a:rPr lang="en-US" smtClean="0"/>
-              <a:t>1/8/2024</a:t>
+              <a:t>1/27/13</a:t>
             </a:fld>
             <a:endParaRPr lang="en-US"/>
           </a:p>
@@ -3085,7 +3090,7 @@
 </file>
 
 <file path=ppt/slides/slide1.xml><?xml version="1.0" encoding="utf-8"?>
-<p:sld xmlns:a="http://schemas.openxmlformats.org/drawingml/2006/main" xmlns:r="http://schemas.openxmlformats.org/officeDocument/2006/relationships" xmlns:p="http://schemas.openxmlformats.org/presentationml/2006/main">
+<p:sld xmlns:a="http://schemas.openxmlformats.org/drawingml/2006/main" xmlns:p="http://schemas.openxmlformats.org/presentationml/2006/main" xmlns:r="http://schemas.openxmlformats.org/officeDocument/2006/relationships">
   <p:cSld>
     <p:spTree>
       <p:nvGrpSpPr>
@@ -3093,14 +3098,7 @@
         <p:cNvGrpSpPr/>
         <p:nvPr/>
       </p:nvGrpSpPr>
-      <p:grpSpPr>
-        <a:xfrm>
-          <a:off x="0" y="0"/>
-          <a:ext cx="0" cy="0"/>
-          <a:chOff x="0" y="0"/>
-          <a:chExt cx="0" cy="0"/>
-        </a:xfrm>
-      </p:grpSpPr>
+      <p:grpSpPr/>
       <p:sp>
         <p:nvSpPr>
           <p:cNvPr id="2" name="Title 1"/>
@@ -3152,7 +3150,7 @@
 </file>
 
 <file path=ppt/slides/slide10.xml><?xml version="1.0" encoding="utf-8"?>
-<p:sld xmlns:a="http://schemas.openxmlformats.org/drawingml/2006/main" xmlns:r="http://schemas.openxmlformats.org/officeDocument/2006/relationships" xmlns:p="http://schemas.openxmlformats.org/presentationml/2006/main">
+<p:sld xmlns:a="http://schemas.openxmlformats.org/drawingml/2006/main" xmlns:p="http://schemas.openxmlformats.org/presentationml/2006/main" xmlns:r="http://schemas.openxmlformats.org/officeDocument/2006/relationships">
   <p:cSld>
     <p:spTree>
       <p:nvGrpSpPr>
@@ -3160,14 +3158,7 @@
         <p:cNvGrpSpPr/>
         <p:nvPr/>
       </p:nvGrpSpPr>
-      <p:grpSpPr>
-        <a:xfrm>
-          <a:off x="0" y="0"/>
-          <a:ext cx="0" cy="0"/>
-          <a:chOff x="0" y="0"/>
-          <a:chExt cx="0" cy="0"/>
-        </a:xfrm>
-      </p:grpSpPr>
+      <p:grpSpPr/>
       <p:sp>
         <p:nvSpPr>
           <p:cNvPr id="2" name="Title 1"/>
@@ -3231,7 +3222,7 @@
 </file>
 
 <file path=ppt/slides/slide11.xml><?xml version="1.0" encoding="utf-8"?>
-<p:sld xmlns:a="http://schemas.openxmlformats.org/drawingml/2006/main" xmlns:r="http://schemas.openxmlformats.org/officeDocument/2006/relationships" xmlns:p="http://schemas.openxmlformats.org/presentationml/2006/main">
+<p:sld xmlns:a="http://schemas.openxmlformats.org/drawingml/2006/main" xmlns:p="http://schemas.openxmlformats.org/presentationml/2006/main" xmlns:r="http://schemas.openxmlformats.org/officeDocument/2006/relationships">
   <p:cSld>
     <p:spTree>
       <p:nvGrpSpPr>
@@ -3239,14 +3230,7 @@
         <p:cNvGrpSpPr/>
         <p:nvPr/>
       </p:nvGrpSpPr>
-      <p:grpSpPr>
-        <a:xfrm>
-          <a:off x="0" y="0"/>
-          <a:ext cx="0" cy="0"/>
-          <a:chOff x="0" y="0"/>
-          <a:chExt cx="0" cy="0"/>
-        </a:xfrm>
-      </p:grpSpPr>
+      <p:grpSpPr/>
       <p:sp>
         <p:nvSpPr>
           <p:cNvPr id="2" name="Title 1"/>
@@ -3298,7 +3282,7 @@
 </file>
 
 <file path=ppt/slides/slide12.xml><?xml version="1.0" encoding="utf-8"?>
-<p:sld xmlns:a="http://schemas.openxmlformats.org/drawingml/2006/main" xmlns:r="http://schemas.openxmlformats.org/officeDocument/2006/relationships" xmlns:p="http://schemas.openxmlformats.org/presentationml/2006/main">
+<p:sld xmlns:a="http://schemas.openxmlformats.org/drawingml/2006/main" xmlns:p="http://schemas.openxmlformats.org/presentationml/2006/main" xmlns:r="http://schemas.openxmlformats.org/officeDocument/2006/relationships">
   <p:cSld>
     <p:spTree>
       <p:nvGrpSpPr>
@@ -3306,14 +3290,7 @@
         <p:cNvGrpSpPr/>
         <p:nvPr/>
       </p:nvGrpSpPr>
-      <p:grpSpPr>
-        <a:xfrm>
-          <a:off x="0" y="0"/>
-          <a:ext cx="0" cy="0"/>
-          <a:chOff x="0" y="0"/>
-          <a:chExt cx="0" cy="0"/>
-        </a:xfrm>
-      </p:grpSpPr>
+      <p:grpSpPr/>
       <p:sp>
         <p:nvSpPr>
           <p:cNvPr id="2" name="Title 1"/>
@@ -3352,12 +3329,6 @@
           <a:p>
             <a:r>
               <a:t>Final thank you and closing remarks by Giacomo</a:t>
-            </a:r>
-          </a:p>
-          <a:p>
-            <a:pPr lvl="1"/>
-            <a:r>
-              <a:t>Contact information for further questions or information</a:t>
             </a:r>
           </a:p>
         </p:txBody>
@@ -3371,7 +3342,7 @@
 </file>
 
 <file path=ppt/slides/slide2.xml><?xml version="1.0" encoding="utf-8"?>
-<p:sld xmlns:a="http://schemas.openxmlformats.org/drawingml/2006/main" xmlns:r="http://schemas.openxmlformats.org/officeDocument/2006/relationships" xmlns:p="http://schemas.openxmlformats.org/presentationml/2006/main">
+<p:sld xmlns:a="http://schemas.openxmlformats.org/drawingml/2006/main" xmlns:p="http://schemas.openxmlformats.org/presentationml/2006/main" xmlns:r="http://schemas.openxmlformats.org/officeDocument/2006/relationships">
   <p:cSld>
     <p:spTree>
       <p:nvGrpSpPr>
@@ -3379,14 +3350,7 @@
         <p:cNvGrpSpPr/>
         <p:nvPr/>
       </p:nvGrpSpPr>
-      <p:grpSpPr>
-        <a:xfrm>
-          <a:off x="0" y="0"/>
-          <a:ext cx="0" cy="0"/>
-          <a:chOff x="0" y="0"/>
-          <a:chExt cx="0" cy="0"/>
-        </a:xfrm>
-      </p:grpSpPr>
+      <p:grpSpPr/>
       <p:sp>
         <p:nvSpPr>
           <p:cNvPr id="2" name="Title 1"/>
@@ -3456,7 +3420,7 @@
 </file>
 
 <file path=ppt/slides/slide3.xml><?xml version="1.0" encoding="utf-8"?>
-<p:sld xmlns:a="http://schemas.openxmlformats.org/drawingml/2006/main" xmlns:r="http://schemas.openxmlformats.org/officeDocument/2006/relationships" xmlns:p="http://schemas.openxmlformats.org/presentationml/2006/main">
+<p:sld xmlns:a="http://schemas.openxmlformats.org/drawingml/2006/main" xmlns:p="http://schemas.openxmlformats.org/presentationml/2006/main" xmlns:r="http://schemas.openxmlformats.org/officeDocument/2006/relationships">
   <p:cSld>
     <p:spTree>
       <p:nvGrpSpPr>
@@ -3464,14 +3428,7 @@
         <p:cNvGrpSpPr/>
         <p:nvPr/>
       </p:nvGrpSpPr>
-      <p:grpSpPr>
-        <a:xfrm>
-          <a:off x="0" y="0"/>
-          <a:ext cx="0" cy="0"/>
-          <a:chOff x="0" y="0"/>
-          <a:chExt cx="0" cy="0"/>
-        </a:xfrm>
-      </p:grpSpPr>
+      <p:grpSpPr/>
       <p:sp>
         <p:nvSpPr>
           <p:cNvPr id="2" name="Title 1"/>
@@ -3523,7 +3480,7 @@
 </file>
 
 <file path=ppt/slides/slide4.xml><?xml version="1.0" encoding="utf-8"?>
-<p:sld xmlns:a="http://schemas.openxmlformats.org/drawingml/2006/main" xmlns:r="http://schemas.openxmlformats.org/officeDocument/2006/relationships" xmlns:p="http://schemas.openxmlformats.org/presentationml/2006/main">
+<p:sld xmlns:a="http://schemas.openxmlformats.org/drawingml/2006/main" xmlns:p="http://schemas.openxmlformats.org/presentationml/2006/main" xmlns:r="http://schemas.openxmlformats.org/officeDocument/2006/relationships">
   <p:cSld>
     <p:spTree>
       <p:nvGrpSpPr>
@@ -3531,14 +3488,7 @@
         <p:cNvGrpSpPr/>
         <p:nvPr/>
       </p:nvGrpSpPr>
-      <p:grpSpPr>
-        <a:xfrm>
-          <a:off x="0" y="0"/>
-          <a:ext cx="0" cy="0"/>
-          <a:chOff x="0" y="0"/>
-          <a:chExt cx="0" cy="0"/>
-        </a:xfrm>
-      </p:grpSpPr>
+      <p:grpSpPr/>
       <p:sp>
         <p:nvSpPr>
           <p:cNvPr id="2" name="Title 1"/>
@@ -3602,7 +3552,7 @@
 </file>
 
 <file path=ppt/slides/slide5.xml><?xml version="1.0" encoding="utf-8"?>
-<p:sld xmlns:a="http://schemas.openxmlformats.org/drawingml/2006/main" xmlns:r="http://schemas.openxmlformats.org/officeDocument/2006/relationships" xmlns:p="http://schemas.openxmlformats.org/presentationml/2006/main">
+<p:sld xmlns:a="http://schemas.openxmlformats.org/drawingml/2006/main" xmlns:p="http://schemas.openxmlformats.org/presentationml/2006/main" xmlns:r="http://schemas.openxmlformats.org/officeDocument/2006/relationships">
   <p:cSld>
     <p:spTree>
       <p:nvGrpSpPr>
@@ -3610,14 +3560,7 @@
         <p:cNvGrpSpPr/>
         <p:nvPr/>
       </p:nvGrpSpPr>
-      <p:grpSpPr>
-        <a:xfrm>
-          <a:off x="0" y="0"/>
-          <a:ext cx="0" cy="0"/>
-          <a:chOff x="0" y="0"/>
-          <a:chExt cx="0" cy="0"/>
-        </a:xfrm>
-      </p:grpSpPr>
+      <p:grpSpPr/>
       <p:sp>
         <p:nvSpPr>
           <p:cNvPr id="2" name="Title 1"/>
@@ -3681,7 +3624,7 @@
 </file>
 
 <file path=ppt/slides/slide6.xml><?xml version="1.0" encoding="utf-8"?>
-<p:sld xmlns:a="http://schemas.openxmlformats.org/drawingml/2006/main" xmlns:r="http://schemas.openxmlformats.org/officeDocument/2006/relationships" xmlns:p="http://schemas.openxmlformats.org/presentationml/2006/main">
+<p:sld xmlns:a="http://schemas.openxmlformats.org/drawingml/2006/main" xmlns:p="http://schemas.openxmlformats.org/presentationml/2006/main" xmlns:r="http://schemas.openxmlformats.org/officeDocument/2006/relationships">
   <p:cSld>
     <p:spTree>
       <p:nvGrpSpPr>
@@ -3689,14 +3632,7 @@
         <p:cNvGrpSpPr/>
         <p:nvPr/>
       </p:nvGrpSpPr>
-      <p:grpSpPr>
-        <a:xfrm>
-          <a:off x="0" y="0"/>
-          <a:ext cx="0" cy="0"/>
-          <a:chOff x="0" y="0"/>
-          <a:chExt cx="0" cy="0"/>
-        </a:xfrm>
-      </p:grpSpPr>
+      <p:grpSpPr/>
       <p:sp>
         <p:nvSpPr>
           <p:cNvPr id="2" name="Title 1"/>
@@ -3760,7 +3696,7 @@
 </file>
 
 <file path=ppt/slides/slide7.xml><?xml version="1.0" encoding="utf-8"?>
-<p:sld xmlns:a="http://schemas.openxmlformats.org/drawingml/2006/main" xmlns:r="http://schemas.openxmlformats.org/officeDocument/2006/relationships" xmlns:p="http://schemas.openxmlformats.org/presentationml/2006/main">
+<p:sld xmlns:a="http://schemas.openxmlformats.org/drawingml/2006/main" xmlns:p="http://schemas.openxmlformats.org/presentationml/2006/main" xmlns:r="http://schemas.openxmlformats.org/officeDocument/2006/relationships">
   <p:cSld>
     <p:spTree>
       <p:nvGrpSpPr>
@@ -3768,14 +3704,7 @@
         <p:cNvGrpSpPr/>
         <p:nvPr/>
       </p:nvGrpSpPr>
-      <p:grpSpPr>
-        <a:xfrm>
-          <a:off x="0" y="0"/>
-          <a:ext cx="0" cy="0"/>
-          <a:chOff x="0" y="0"/>
-          <a:chExt cx="0" cy="0"/>
-        </a:xfrm>
-      </p:grpSpPr>
+      <p:grpSpPr/>
       <p:sp>
         <p:nvSpPr>
           <p:cNvPr id="2" name="Title 1"/>
@@ -3845,7 +3774,7 @@
 </file>
 
 <file path=ppt/slides/slide8.xml><?xml version="1.0" encoding="utf-8"?>
-<p:sld xmlns:a="http://schemas.openxmlformats.org/drawingml/2006/main" xmlns:r="http://schemas.openxmlformats.org/officeDocument/2006/relationships" xmlns:p="http://schemas.openxmlformats.org/presentationml/2006/main">
+<p:sld xmlns:a="http://schemas.openxmlformats.org/drawingml/2006/main" xmlns:p="http://schemas.openxmlformats.org/presentationml/2006/main" xmlns:r="http://schemas.openxmlformats.org/officeDocument/2006/relationships">
   <p:cSld>
     <p:spTree>
       <p:nvGrpSpPr>
@@ -3853,14 +3782,7 @@
         <p:cNvGrpSpPr/>
         <p:nvPr/>
       </p:nvGrpSpPr>
-      <p:grpSpPr>
-        <a:xfrm>
-          <a:off x="0" y="0"/>
-          <a:ext cx="0" cy="0"/>
-          <a:chOff x="0" y="0"/>
-          <a:chExt cx="0" cy="0"/>
-        </a:xfrm>
-      </p:grpSpPr>
+      <p:grpSpPr/>
       <p:sp>
         <p:nvSpPr>
           <p:cNvPr id="2" name="Title 1"/>
@@ -3924,7 +3846,7 @@
 </file>
 
 <file path=ppt/slides/slide9.xml><?xml version="1.0" encoding="utf-8"?>
-<p:sld xmlns:a="http://schemas.openxmlformats.org/drawingml/2006/main" xmlns:r="http://schemas.openxmlformats.org/officeDocument/2006/relationships" xmlns:p="http://schemas.openxmlformats.org/presentationml/2006/main">
+<p:sld xmlns:a="http://schemas.openxmlformats.org/drawingml/2006/main" xmlns:p="http://schemas.openxmlformats.org/presentationml/2006/main" xmlns:r="http://schemas.openxmlformats.org/officeDocument/2006/relationships">
   <p:cSld>
     <p:spTree>
       <p:nvGrpSpPr>
@@ -3932,14 +3854,7 @@
         <p:cNvGrpSpPr/>
         <p:nvPr/>
       </p:nvGrpSpPr>
-      <p:grpSpPr>
-        <a:xfrm>
-          <a:off x="0" y="0"/>
-          <a:ext cx="0" cy="0"/>
-          <a:chOff x="0" y="0"/>
-          <a:chExt cx="0" cy="0"/>
-        </a:xfrm>
-      </p:grpSpPr>
+      <p:grpSpPr/>
       <p:sp>
         <p:nvSpPr>
           <p:cNvPr id="2" name="Title 1"/>
